--- a/output/modified_Test.pptx
+++ b/output/modified_Test.pptx
@@ -5751,7 +5751,7 @@
       </p:sp>
       <p:pic>
         <p:nvPicPr>
-          <p:cNvPr id="11269" name="object 5" descr="The image depicts a 3D model of a vehicle, likely an SUV, rendered in a variety of bright colors such as red, blue, green, and yellow. The model is shown from a slightly elevated angle, allowing a view of its exterior and some interior components. The vehicle is outlined with a wireframe structure, emphasizing its shape and design. The background is black, which contrasts with the vibrant colors of the vehicle, making it stand out. This type of visualization is often used in automotive design or engineering to analyze the structure and components of the vehicle.">
+          <p:cNvPr id="11269" name="object 5" descr="N/A">
             <a:extLst>
               <a:ext uri="{FF2B5EF4-FFF2-40B4-BE49-F238E27FC236}">
                 <a16:creationId xmlns:a16="http://schemas.microsoft.com/office/drawing/2014/main" id="{56A8F40F-CEAF-2C05-7686-AEA259BCD326}"/>
@@ -6249,7 +6249,7 @@
       </p:sp>
       <p:pic>
         <p:nvPicPr>
-          <p:cNvPr id="12292" name="object 4" descr="The image features a playful and colorful illustration centered around sloths. The background is a vibrant green, and various sloths are depicted engaging in different activities. &#10;&#10;In the foreground, a large sloth stands with a thoughtful expression, resting its chin on its hand. Surrounding it are smaller sloths: one is reading a newspaper, another is using a smartphone, and a third is watching a screen with a tiger on it. There are also sloths lounging and enjoying snacks, with some musical notes and speech bubbles that say &quot;BLA BLA&quot; scattered throughout the image. &#10;&#10;The overall vibe is fun and whimsical, capturing a relaxed and humorous take on sloth life.">
+          <p:cNvPr id="12292" name="object 4" descr="N/A">
             <a:extLst>
               <a:ext uri="{FF2B5EF4-FFF2-40B4-BE49-F238E27FC236}">
                 <a16:creationId xmlns:a16="http://schemas.microsoft.com/office/drawing/2014/main" id="{09018801-C6AA-2AFA-7F88-5CA8B9313596}"/>
@@ -8460,7 +8460,7 @@
       </p:sp>
       <p:pic>
         <p:nvPicPr>
-          <p:cNvPr id="13316" name="object 4" descr="The image features a humanoid robot, often referred to as a social robot, with a rounded head and large, expressive eyes. It has a smooth, white exterior and is designed to interact with people. The robot has a tablet-like screen on its chest displaying a simple interface, possibly for communication or interaction. &#10;&#10;In the background, there is another similar robot, and a person in a blue dress is standing nearby, observing or interacting with the robots. The setting appears to be a modern indoor space, possibly a demonstration area, with a stylish living room backdrop. The overall atmosphere suggests a focus on technology and human-robot interaction.">
+          <p:cNvPr id="13316" name="object 4" descr="N/A">
             <a:extLst>
               <a:ext uri="{FF2B5EF4-FFF2-40B4-BE49-F238E27FC236}">
                 <a16:creationId xmlns:a16="http://schemas.microsoft.com/office/drawing/2014/main" id="{CA88B8B4-F781-E657-6D10-C4BC49A9B3AB}"/>
@@ -9168,7 +9168,7 @@
       </p:sp>
       <p:pic>
         <p:nvPicPr>
-          <p:cNvPr id="14340" name="object 4" descr="The image depicts a flowchart with a series of colored rectangular and diamond-shaped boxes connected by black arrows. &#10;&#10;- At the center, there is a red diamond shape, which typically indicates a decision point.&#10;- Surrounding it are several rectangular boxes in different colors: light blue, yellow, green, and another light blue. &#10;- The boxes are connected by arrows that show the flow of the process or decision-making steps. &#10;&#10;The overall layout is organized and visually structured, making it easy to follow the connections between the different elements.">
+          <p:cNvPr id="14340" name="object 4" descr="N/A">
             <a:extLst>
               <a:ext uri="{FF2B5EF4-FFF2-40B4-BE49-F238E27FC236}">
                 <a16:creationId xmlns:a16="http://schemas.microsoft.com/office/drawing/2014/main" id="{70B2A39A-6CFC-6651-78F6-85B01AC2FC54}"/>
@@ -10639,7 +10639,7 @@
       </p:sp>
       <p:pic>
         <p:nvPicPr>
-          <p:cNvPr id="15364" name="object 4" descr="The image features a cartoon cow sitting at a desk in front of a computer. The cow has a cheerful expression, with large eyes and a big smile. It is using a computer mouse with one hoof while the other hoof rests on the desk. The computer screen displays the word &quot;GRASS&quot; along with images of grass. The desk is simple, with a keyboard and a mouse, and the cow is seated in a red office chair. The overall style is playful and colorful, emphasizing a humorous take on a cow using technology.">
+          <p:cNvPr id="15364" name="object 4" descr="N/A">
             <a:extLst>
               <a:ext uri="{FF2B5EF4-FFF2-40B4-BE49-F238E27FC236}">
                 <a16:creationId xmlns:a16="http://schemas.microsoft.com/office/drawing/2014/main" id="{1612B432-B8D9-F808-47CC-B9BB3D549CC6}"/>
@@ -11427,7 +11427,7 @@
       </p:sp>
       <p:pic>
         <p:nvPicPr>
-          <p:cNvPr id="16388" name="object 4" descr="The image features four humanoid figures arranged in a row, each representing different generations of a model. Each figure has a simplistic, skeletal design with a blue and transparent structure, showcasing joints and limbs. &#10;&#10;- **Generation 1**: The figure on the far left appears the most basic, with minimal detail and a simple pose.&#10;- **Generation 6**: The second figure shows some improvements in design and articulation compared to Generation 1.&#10;- **Generation 17**: The third figure exhibits further enhancements, with more defined features and a more dynamic pose.&#10;- **Generation 921**: The final figure on the far right is the most advanced, displaying a complex structure and a more natural stance.&#10;&#10;Above each figure, the respective generation number is labeled clearly. The background consists of a checkered floor, emphasizing the figures' development over time.">
+          <p:cNvPr id="16388" name="object 4" descr="N/A">
             <a:extLst>
               <a:ext uri="{FF2B5EF4-FFF2-40B4-BE49-F238E27FC236}">
                 <a16:creationId xmlns:a16="http://schemas.microsoft.com/office/drawing/2014/main" id="{1D2BDC16-8940-A332-48A6-025FF0EF3CD9}"/>
@@ -12462,7 +12462,7 @@
       </p:sp>
       <p:pic>
         <p:nvPicPr>
-          <p:cNvPr id="17412" name="object 4" descr="The image is a cartoon depicting a classroom scene with a chalkboard filled with complex mathematical equations and diagrams. Two characters are present: one is a teacher or presenter pointing at the chalkboard, while the other, presumably a student or colleague, stands beside him, looking at the board. The teacher is saying, &quot;I think you should be more explicit here in step two,&quot; referring to a part of the equations where the phrase &quot;THEN A MIRACLE OCCURS&quot; is written. The humor lies in the absurdity of suggesting that a miracle is a legitimate step in solving a mathematical problem.">
+          <p:cNvPr id="17412" name="object 4" descr="N/A">
             <a:extLst>
               <a:ext uri="{FF2B5EF4-FFF2-40B4-BE49-F238E27FC236}">
                 <a16:creationId xmlns:a16="http://schemas.microsoft.com/office/drawing/2014/main" id="{56839313-3A8D-6C84-4308-FEE42F700E23}"/>
@@ -13155,7 +13155,7 @@
       </p:sp>
       <p:pic>
         <p:nvPicPr>
-          <p:cNvPr id="18436" name="object 4" descr="The image is a comic divided into two sections, titled &quot;Conventional Logic&quot; and &quot;Shifting the Burden of Proof.&quot;&#10;&#10;1. **Conventional Logic**:&#10;   - On the left side, two stick figure characters are talking. One character, wearing a yellow shirt, says, &quot;Sometimes, I turn into a unicorn.&quot; The other character, in a green shirt, responds, &quot;Oh yeah? Prove it.&quot; &#10;   - In the right panel, a unicorn appears next to the yellow-shirted character, who says, &quot;Okay, you're right!&quot;&#10;&#10;2. **Shifting the Burden of Proof**:&#10;   - The bottom section mirrors the first. The yellow-shirted character again states, &quot;Sometimes, I turn into a unicorn.&quot; The green-shirted character replies, &quot;Oh yeah? Prove it.&quot;&#10;   - In the right panel, the yellow-shirted character, now looking angry with exaggerated features, shouts, &quot;YOU CAN'T PROVE THAT I DON'T!!!&quot; The green-shirted character looks surprised.&#10;&#10;The comic humorously illustrates the difference between logical argumentation and the tactic of shifting the burden of proof in discussions.">
+          <p:cNvPr id="18436" name="object 4" descr="N/A">
             <a:extLst>
               <a:ext uri="{FF2B5EF4-FFF2-40B4-BE49-F238E27FC236}">
                 <a16:creationId xmlns:a16="http://schemas.microsoft.com/office/drawing/2014/main" id="{E7402D63-5FB4-B3AE-C592-6D9874D8ECBA}"/>
@@ -14710,7 +14710,7 @@
       </p:sp>
       <p:pic>
         <p:nvPicPr>
-          <p:cNvPr id="20484" name="object 4" descr="The image features two cartoon squirrels sitting side by side, each with a distinct expression and posture. The squirrel on the left is holding a piece of food and appears to be pondering, while the one on the right is sitting with its arms crossed, looking contemplative. &#10;&#10;Next to each squirrel, there are humorous quotes reflecting their perspectives on food: the left squirrel states, &quot;I have never seen food that is not circle-shaped. All food is therefore definitely circle-shaped.&quot; The right squirrel counters with, &quot;I have never seen food that does not have straight edges...&quot; &#10;&#10;The background has a textured, vintage look, enhancing the whimsical nature of the illustration.">
+          <p:cNvPr id="20484" name="object 4" descr="N/A">
             <a:extLst>
               <a:ext uri="{FF2B5EF4-FFF2-40B4-BE49-F238E27FC236}">
                 <a16:creationId xmlns:a16="http://schemas.microsoft.com/office/drawing/2014/main" id="{88BB40E6-481B-4A6A-DBCF-2ADCD9E459CF}"/>
@@ -15399,7 +15399,7 @@
       </p:sp>
       <p:pic>
         <p:nvPicPr>
-          <p:cNvPr id="3076" name="object 4" descr="The image depicts a cartoonish man sitting at a desk, looking somewhat distressed or overwhelmed. He has a balding head with some gray hair on the sides and is wearing a white shirt with a tie. His chin rests on his hand, and he gazes down at a blank piece of paper in front of him. &#10;&#10;Surrounding him are several stacks of books, some upright and others leaning, indicating a chaotic study environment. The books are in various colors, with some having green, blue, and orange covers. The overall scene conveys a sense of frustration or contemplation, as if he is struggling with a task or assignment.">
+          <p:cNvPr id="3076" name="object 4" descr="N/A">
             <a:extLst>
               <a:ext uri="{FF2B5EF4-FFF2-40B4-BE49-F238E27FC236}">
                 <a16:creationId xmlns:a16="http://schemas.microsoft.com/office/drawing/2014/main" id="{FB6EBFF8-BB04-589F-C287-C491C4F5824A}"/>
@@ -15880,7 +15880,7 @@
       </p:sp>
       <p:pic>
         <p:nvPicPr>
-          <p:cNvPr id="21508" name="object 4" descr="The image features two cartoon squirrels sitting side by side, each with a distinct expression and posture. The squirrel on the left is holding a piece of food and appears to be pondering, while the one on the right is sitting with its hands on its lap, looking contemplative. &#10;&#10;Next to each squirrel, there are humorous quotes reflecting their thoughts on food: the left squirrel states, &quot;I have never seen food that is not circle-shaped. All food is therefore definitely circle-shaped,&quot; while the right squirrel says, &quot;I have never seen food that does not have straight edges...&quot; The background has a textured, vintage look, enhancing the whimsical nature of the illustration.">
+          <p:cNvPr id="21508" name="object 4" descr="N/A">
             <a:extLst>
               <a:ext uri="{FF2B5EF4-FFF2-40B4-BE49-F238E27FC236}">
                 <a16:creationId xmlns:a16="http://schemas.microsoft.com/office/drawing/2014/main" id="{30439C78-8C17-759A-E990-63BE1BAC0E00}"/>
@@ -16563,7 +16563,7 @@
       </p:sp>
       <p:pic>
         <p:nvPicPr>
-          <p:cNvPr id="22532" name="object 4" descr="The image features a cartoon character who appears to be a man with a surprised or thoughtful expression. He has a large nose and exaggerated facial features, including big eyes and a prominent mouth. He is holding a piece of paper labeled &quot;Survey&quot; in one hand and a pencil in the other, as if he is about to write something down. The character is wearing a light blue shirt and a brown vest, paired with green pants. The overall style is playful and humorous, typical of cartoon illustrations.">
+          <p:cNvPr id="22532" name="object 4" descr="N/A">
             <a:extLst>
               <a:ext uri="{FF2B5EF4-FFF2-40B4-BE49-F238E27FC236}">
                 <a16:creationId xmlns:a16="http://schemas.microsoft.com/office/drawing/2014/main" id="{09524717-543D-54C1-22FF-40518F6D9820}"/>
@@ -17117,7 +17117,7 @@
       </p:sp>
       <p:pic>
         <p:nvPicPr>
-          <p:cNvPr id="23556" name="object 4" descr="The image features a cartoonish detective character, reminiscent of classic detective archetypes. He is wearing a green checkered hat and a matching coat. The detective is bent over, examining footprints on the ground with a magnifying glass in one hand, while holding a notepad in the other. He has a pipe in his mouth and a focused expression, suggesting he is deep in thought about his investigation. The overall style is playful and colorful, emphasizing the detective's role in solving a mystery.">
+          <p:cNvPr id="23556" name="object 4" descr="N/A">
             <a:extLst>
               <a:ext uri="{FF2B5EF4-FFF2-40B4-BE49-F238E27FC236}">
                 <a16:creationId xmlns:a16="http://schemas.microsoft.com/office/drawing/2014/main" id="{F72390CB-0C0A-DC5F-6894-F9346AC8C074}"/>
@@ -20232,7 +20232,7 @@
       </p:sp>
       <p:pic>
         <p:nvPicPr>
-          <p:cNvPr id="28676" name="object 4" descr="The image features several Minions, characters from the &quot;Despicable Me&quot; franchise, dressed in brown hooded robes reminiscent of Jawas from &quot;Star Wars.&quot; The Minions have their signature large, round eyes and yellow skin. They appear to be posing together, with some looking slightly mischievous. The background includes more hooded figures, enhancing the theme of the image. The overall vibe is playful, combining elements from both franchises.">
+          <p:cNvPr id="28676" name="object 4" descr="N/A">
             <a:extLst>
               <a:ext uri="{FF2B5EF4-FFF2-40B4-BE49-F238E27FC236}">
                 <a16:creationId xmlns:a16="http://schemas.microsoft.com/office/drawing/2014/main" id="{DFDA0294-C453-CD19-B0AB-6EFB5EE7299D}"/>
@@ -22120,7 +22120,7 @@
       </p:sp>
       <p:pic>
         <p:nvPicPr>
-          <p:cNvPr id="4100" name="object 4" descr="The image features two world maps side by side. On the left, labeled &quot;135 Million Years Ago,&quot; the continents are arranged differently than in the present day. The landmasses appear more connected, with a noticeable absence of the familiar shapes of modern continents. &#10;&#10;On the right, labeled &quot;Present Day,&quot; the map shows the current configuration of continents, including recognizable shapes like North America, South America, Africa, Europe, Asia, and Australia. The background of both maps is light blue, representing the oceans, and the overall design is simple and cartoonish, with a bright yellow border surrounding the maps.">
+          <p:cNvPr id="4100" name="object 4" descr="N/A">
             <a:extLst>
               <a:ext uri="{FF2B5EF4-FFF2-40B4-BE49-F238E27FC236}">
                 <a16:creationId xmlns:a16="http://schemas.microsoft.com/office/drawing/2014/main" id="{A905D004-17B8-C314-E681-F5913D0C37D0}"/>
@@ -23627,7 +23627,7 @@
       </p:sp>
       <p:pic>
         <p:nvPicPr>
-          <p:cNvPr id="5124" name="object 4" descr="The image features three green, cartoonish figures. One figure is holding a large yellow megaphone and appears to be speaking or shouting into it. This figure is positioned to the right. The other two figures are on the left, with one reaching out towards the second figure, who is standing still and looking towards the figure with the megaphone. The overall scene conveys a sense of communication or announcement. The figures have simple, rounded shapes and lack detailed facial features, emphasizing a playful and abstract style.">
+          <p:cNvPr id="5124" name="object 4" descr="N/A">
             <a:extLst>
               <a:ext uri="{FF2B5EF4-FFF2-40B4-BE49-F238E27FC236}">
                 <a16:creationId xmlns:a16="http://schemas.microsoft.com/office/drawing/2014/main" id="{C0526044-0C7B-CABA-EC04-7BBE0F6B94A5}"/>
@@ -25195,7 +25195,7 @@
       </p:sp>
       <p:pic>
         <p:nvPicPr>
-          <p:cNvPr id="6148" name="object 4" descr="The image is a scatter plot titled &quot;Guns per Capita vs. Homicide by Firearm Rate (Developed Countries Excluding South Africa).&quot; &#10;&#10;- The x-axis represents &quot;Guns per 100 People,&quot; ranging from 0 to 100.&#10;- The y-axis shows &quot;Homicide by Firearm Rate per 100,000 People,&quot; ranging from 0 to 3.5.&#10;- Each blue dot on the graph represents a developed country, with the United States marked distinctly at a higher value on both axes.&#10;- A line of best fit is drawn through the data points, indicating a positive correlation between the number of guns per capita and the homicide rate by firearm.&#10;- The coefficient of determination (R²) is noted as 0.50451, suggesting a moderate correlation between the two variables.">
+          <p:cNvPr id="6148" name="object 4" descr="N/A">
             <a:extLst>
               <a:ext uri="{FF2B5EF4-FFF2-40B4-BE49-F238E27FC236}">
                 <a16:creationId xmlns:a16="http://schemas.microsoft.com/office/drawing/2014/main" id="{A877C6C4-3CD7-9456-9574-1E8A044BDA79}"/>
@@ -25255,7 +25255,7 @@
       </p:pic>
       <p:pic>
         <p:nvPicPr>
-          <p:cNvPr id="6149" name="object 5" descr="The image is a scatter plot titled &quot;Homicides per 100,000 population vs. Guns per 100 population.&quot; &#10;&#10;- The horizontal axis (x-axis) represents the number of guns per 100 population, ranging from 0 to 100.&#10;- The vertical axis (y-axis) represents the number of homicides per 100,000 population, ranging from 0 to about 85.&#10;- The plot contains numerous black dots, each representing a data point correlating the two variables.&#10;- A downward sloping trend line is present, indicating a negative correlation between the number of guns and the homicide rate.&#10;- The equation of the trend line is given as \( y = -0.2243x + 11.709 \).&#10;- The R-squared value (R² = 0.04909) suggests a weak correlation between the two variables, indicating that the model does not explain much of the variability in homicide rates based on gun prevalence.">
+          <p:cNvPr id="6149" name="object 5" descr="N/A">
             <a:extLst>
               <a:ext uri="{FF2B5EF4-FFF2-40B4-BE49-F238E27FC236}">
                 <a16:creationId xmlns:a16="http://schemas.microsoft.com/office/drawing/2014/main" id="{5871ADF2-015D-4AC4-648D-7936D1160539}"/>
@@ -25420,7 +25420,7 @@
       </p:grpSpPr>
       <p:pic>
         <p:nvPicPr>
-          <p:cNvPr id="7170" name="object 2" descr="The image features three cartoon characters known as Minions, which are small, yellow, and cylindrical in shape. &#10;&#10;1. The central Minion is wearing a yellow hard hat with the name &quot;Kevin&quot; written on it. This Minion is holding a large blue paper that has the word &quot;MINIONS&quot; printed in bold letters.&#10;2. To the left, there is another Minion with one eye, wearing blue overalls and looking up at the central Minion.&#10;3. To the right, the third Minion is also wearing blue overalls and has a tool in its hand, appearing to be engaged in the scene.&#10;&#10;The background is plain white, emphasizing the colorful Minions and their playful expressions.">
+          <p:cNvPr id="7170" name="object 2" descr="N/A">
             <a:extLst>
               <a:ext uri="{FF2B5EF4-FFF2-40B4-BE49-F238E27FC236}">
                 <a16:creationId xmlns:a16="http://schemas.microsoft.com/office/drawing/2014/main" id="{81F8F04A-6F8B-92DB-7C9D-06C66ED17FBD}"/>
@@ -27028,7 +27028,7 @@
       </p:sp>
       <p:pic>
         <p:nvPicPr>
-          <p:cNvPr id="8196" name="object 4" descr="The image is a cartoon featuring two characters in an office setting. One character, wearing a blue shirt and a red tie, stands with a puzzled expression, asking, &quot;What's with the beer?&quot; The other character, sitting at a desk with a computer, responds, &quot;I'm doing a case study.&quot; On the desk, there is a box labeled &quot;BEER,&quot; suggesting a humorous take on the idea of conducting research or a study involving beer. The background has a patterned carpet, adding to the office atmosphere.">
+          <p:cNvPr id="8196" name="object 4" descr="N/A">
             <a:extLst>
               <a:ext uri="{FF2B5EF4-FFF2-40B4-BE49-F238E27FC236}">
                 <a16:creationId xmlns:a16="http://schemas.microsoft.com/office/drawing/2014/main" id="{E6EC5708-A0EA-E615-59B3-DB5125072538}"/>
@@ -30119,7 +30119,7 @@
       </p:sp>
       <p:pic>
         <p:nvPicPr>
-          <p:cNvPr id="10244" name="object 4" descr="The image features a cartoon-style illustration of a young boy sitting at a desk, looking thoughtful and slightly overwhelmed. He has messy, spiky hair and is resting his chin on one hand, with a book open in front of him. Surrounding him are tall stacks of colorful books, some leaning precariously. In the background, there are a few empty school desks. The overall mood conveys a sense of contemplation or stress related to studying or homework.">
+          <p:cNvPr id="10244" name="object 4" descr="N/A">
             <a:extLst>
               <a:ext uri="{FF2B5EF4-FFF2-40B4-BE49-F238E27FC236}">
                 <a16:creationId xmlns:a16="http://schemas.microsoft.com/office/drawing/2014/main" id="{564A01EF-1E5F-EECC-E582-B8F38175F578}"/>
